--- a/lessons/workshop_introduction.pptx
+++ b/lessons/workshop_introduction.pptx
@@ -265,7 +265,7 @@
           <a:p>
             <a:fld id="{B4D147CC-DF06-4568-84A5-1913B79BC2C0}" type="datetimeFigureOut">
               <a:rPr lang="en-US" smtClean="0"/>
-              <a:t>6/10/2020</a:t>
+              <a:t>8/5/2020</a:t>
             </a:fld>
             <a:endParaRPr lang="en-US"/>
           </a:p>
@@ -463,7 +463,7 @@
           <a:p>
             <a:fld id="{B4D147CC-DF06-4568-84A5-1913B79BC2C0}" type="datetimeFigureOut">
               <a:rPr lang="en-US" smtClean="0"/>
-              <a:t>6/10/2020</a:t>
+              <a:t>8/5/2020</a:t>
             </a:fld>
             <a:endParaRPr lang="en-US"/>
           </a:p>
@@ -671,7 +671,7 @@
           <a:p>
             <a:fld id="{B4D147CC-DF06-4568-84A5-1913B79BC2C0}" type="datetimeFigureOut">
               <a:rPr lang="en-US" smtClean="0"/>
-              <a:t>6/10/2020</a:t>
+              <a:t>8/5/2020</a:t>
             </a:fld>
             <a:endParaRPr lang="en-US"/>
           </a:p>
@@ -869,7 +869,7 @@
           <a:p>
             <a:fld id="{B4D147CC-DF06-4568-84A5-1913B79BC2C0}" type="datetimeFigureOut">
               <a:rPr lang="en-US" smtClean="0"/>
-              <a:t>6/10/2020</a:t>
+              <a:t>8/5/2020</a:t>
             </a:fld>
             <a:endParaRPr lang="en-US"/>
           </a:p>
@@ -1144,7 +1144,7 @@
           <a:p>
             <a:fld id="{B4D147CC-DF06-4568-84A5-1913B79BC2C0}" type="datetimeFigureOut">
               <a:rPr lang="en-US" smtClean="0"/>
-              <a:t>6/10/2020</a:t>
+              <a:t>8/5/2020</a:t>
             </a:fld>
             <a:endParaRPr lang="en-US"/>
           </a:p>
@@ -1409,7 +1409,7 @@
           <a:p>
             <a:fld id="{B4D147CC-DF06-4568-84A5-1913B79BC2C0}" type="datetimeFigureOut">
               <a:rPr lang="en-US" smtClean="0"/>
-              <a:t>6/10/2020</a:t>
+              <a:t>8/5/2020</a:t>
             </a:fld>
             <a:endParaRPr lang="en-US"/>
           </a:p>
@@ -1821,7 +1821,7 @@
           <a:p>
             <a:fld id="{B4D147CC-DF06-4568-84A5-1913B79BC2C0}" type="datetimeFigureOut">
               <a:rPr lang="en-US" smtClean="0"/>
-              <a:t>6/10/2020</a:t>
+              <a:t>8/5/2020</a:t>
             </a:fld>
             <a:endParaRPr lang="en-US"/>
           </a:p>
@@ -1962,7 +1962,7 @@
           <a:p>
             <a:fld id="{B4D147CC-DF06-4568-84A5-1913B79BC2C0}" type="datetimeFigureOut">
               <a:rPr lang="en-US" smtClean="0"/>
-              <a:t>6/10/2020</a:t>
+              <a:t>8/5/2020</a:t>
             </a:fld>
             <a:endParaRPr lang="en-US"/>
           </a:p>
@@ -2075,7 +2075,7 @@
           <a:p>
             <a:fld id="{B4D147CC-DF06-4568-84A5-1913B79BC2C0}" type="datetimeFigureOut">
               <a:rPr lang="en-US" smtClean="0"/>
-              <a:t>6/10/2020</a:t>
+              <a:t>8/5/2020</a:t>
             </a:fld>
             <a:endParaRPr lang="en-US"/>
           </a:p>
@@ -2386,7 +2386,7 @@
           <a:p>
             <a:fld id="{B4D147CC-DF06-4568-84A5-1913B79BC2C0}" type="datetimeFigureOut">
               <a:rPr lang="en-US" smtClean="0"/>
-              <a:t>6/10/2020</a:t>
+              <a:t>8/5/2020</a:t>
             </a:fld>
             <a:endParaRPr lang="en-US"/>
           </a:p>
@@ -2674,7 +2674,7 @@
           <a:p>
             <a:fld id="{B4D147CC-DF06-4568-84A5-1913B79BC2C0}" type="datetimeFigureOut">
               <a:rPr lang="en-US" smtClean="0"/>
-              <a:t>6/10/2020</a:t>
+              <a:t>8/5/2020</a:t>
             </a:fld>
             <a:endParaRPr lang="en-US"/>
           </a:p>
@@ -2915,7 +2915,7 @@
           <a:p>
             <a:fld id="{B4D147CC-DF06-4568-84A5-1913B79BC2C0}" type="datetimeFigureOut">
               <a:rPr lang="en-US" smtClean="0"/>
-              <a:t>6/10/2020</a:t>
+              <a:t>8/5/2020</a:t>
             </a:fld>
             <a:endParaRPr lang="en-US"/>
           </a:p>
@@ -3609,7 +3609,7 @@
             <a:pPr lvl="1"/>
             <a:r>
               <a:rPr lang="en-US" dirty="0"/>
-              <a:t>Open population models</a:t>
+              <a:t>Removal models</a:t>
             </a:r>
           </a:p>
           <a:p>
@@ -4124,12 +4124,16 @@
           <a:p>
             <a:pPr lvl="1"/>
             <a:r>
-              <a:rPr lang="en-US" dirty="0">
-                <a:highlight>
-                  <a:srgbClr val="FFFF00"/>
-                </a:highlight>
-              </a:rPr>
-              <a:t>LIST OF HELPER NAMES</a:t>
+              <a:rPr lang="en-US" dirty="0"/>
+              <a:t>Brent Pease and John </a:t>
+            </a:r>
+            <a:r>
+              <a:rPr lang="en-US" dirty="0" err="1"/>
+              <a:t>Yeiser</a:t>
+            </a:r>
+            <a:r>
+              <a:rPr lang="en-US" dirty="0"/>
+              <a:t> are in the chat and helping answer questions and solve issues you might be having with R</a:t>
             </a:r>
           </a:p>
           <a:p>
@@ -4249,31 +4253,6 @@
               </a:rPr>
               <a:t>Any questions?</a:t>
             </a:r>
-          </a:p>
-        </p:txBody>
-      </p:sp>
-      <p:sp>
-        <p:nvSpPr>
-          <p:cNvPr id="3" name="Content Placeholder 2">
-            <a:extLst>
-              <a:ext uri="{FF2B5EF4-FFF2-40B4-BE49-F238E27FC236}">
-                <a16:creationId xmlns:a16="http://schemas.microsoft.com/office/drawing/2014/main" id="{83B8A837-4E03-4FBE-B5E9-0D7D0EA01A1A}"/>
-              </a:ext>
-            </a:extLst>
-          </p:cNvPr>
-          <p:cNvSpPr>
-            <a:spLocks noGrp="1"/>
-          </p:cNvSpPr>
-          <p:nvPr>
-            <p:ph idx="1"/>
-          </p:nvPr>
-        </p:nvSpPr>
-        <p:spPr/>
-        <p:txBody>
-          <a:bodyPr/>
-          <a:lstStyle/>
-          <a:p>
-            <a:endParaRPr lang="en-US" dirty="0"/>
           </a:p>
         </p:txBody>
       </p:sp>

--- a/lessons/workshop_introduction.pptx
+++ b/lessons/workshop_introduction.pptx
@@ -265,7 +265,7 @@
           <a:p>
             <a:fld id="{B4D147CC-DF06-4568-84A5-1913B79BC2C0}" type="datetimeFigureOut">
               <a:rPr lang="en-US" smtClean="0"/>
-              <a:t>8/5/2020</a:t>
+              <a:t>8/6/2020</a:t>
             </a:fld>
             <a:endParaRPr lang="en-US"/>
           </a:p>
@@ -463,7 +463,7 @@
           <a:p>
             <a:fld id="{B4D147CC-DF06-4568-84A5-1913B79BC2C0}" type="datetimeFigureOut">
               <a:rPr lang="en-US" smtClean="0"/>
-              <a:t>8/5/2020</a:t>
+              <a:t>8/6/2020</a:t>
             </a:fld>
             <a:endParaRPr lang="en-US"/>
           </a:p>
@@ -671,7 +671,7 @@
           <a:p>
             <a:fld id="{B4D147CC-DF06-4568-84A5-1913B79BC2C0}" type="datetimeFigureOut">
               <a:rPr lang="en-US" smtClean="0"/>
-              <a:t>8/5/2020</a:t>
+              <a:t>8/6/2020</a:t>
             </a:fld>
             <a:endParaRPr lang="en-US"/>
           </a:p>
@@ -869,7 +869,7 @@
           <a:p>
             <a:fld id="{B4D147CC-DF06-4568-84A5-1913B79BC2C0}" type="datetimeFigureOut">
               <a:rPr lang="en-US" smtClean="0"/>
-              <a:t>8/5/2020</a:t>
+              <a:t>8/6/2020</a:t>
             </a:fld>
             <a:endParaRPr lang="en-US"/>
           </a:p>
@@ -1144,7 +1144,7 @@
           <a:p>
             <a:fld id="{B4D147CC-DF06-4568-84A5-1913B79BC2C0}" type="datetimeFigureOut">
               <a:rPr lang="en-US" smtClean="0"/>
-              <a:t>8/5/2020</a:t>
+              <a:t>8/6/2020</a:t>
             </a:fld>
             <a:endParaRPr lang="en-US"/>
           </a:p>
@@ -1409,7 +1409,7 @@
           <a:p>
             <a:fld id="{B4D147CC-DF06-4568-84A5-1913B79BC2C0}" type="datetimeFigureOut">
               <a:rPr lang="en-US" smtClean="0"/>
-              <a:t>8/5/2020</a:t>
+              <a:t>8/6/2020</a:t>
             </a:fld>
             <a:endParaRPr lang="en-US"/>
           </a:p>
@@ -1821,7 +1821,7 @@
           <a:p>
             <a:fld id="{B4D147CC-DF06-4568-84A5-1913B79BC2C0}" type="datetimeFigureOut">
               <a:rPr lang="en-US" smtClean="0"/>
-              <a:t>8/5/2020</a:t>
+              <a:t>8/6/2020</a:t>
             </a:fld>
             <a:endParaRPr lang="en-US"/>
           </a:p>
@@ -1962,7 +1962,7 @@
           <a:p>
             <a:fld id="{B4D147CC-DF06-4568-84A5-1913B79BC2C0}" type="datetimeFigureOut">
               <a:rPr lang="en-US" smtClean="0"/>
-              <a:t>8/5/2020</a:t>
+              <a:t>8/6/2020</a:t>
             </a:fld>
             <a:endParaRPr lang="en-US"/>
           </a:p>
@@ -2075,7 +2075,7 @@
           <a:p>
             <a:fld id="{B4D147CC-DF06-4568-84A5-1913B79BC2C0}" type="datetimeFigureOut">
               <a:rPr lang="en-US" smtClean="0"/>
-              <a:t>8/5/2020</a:t>
+              <a:t>8/6/2020</a:t>
             </a:fld>
             <a:endParaRPr lang="en-US"/>
           </a:p>
@@ -2386,7 +2386,7 @@
           <a:p>
             <a:fld id="{B4D147CC-DF06-4568-84A5-1913B79BC2C0}" type="datetimeFigureOut">
               <a:rPr lang="en-US" smtClean="0"/>
-              <a:t>8/5/2020</a:t>
+              <a:t>8/6/2020</a:t>
             </a:fld>
             <a:endParaRPr lang="en-US"/>
           </a:p>
@@ -2674,7 +2674,7 @@
           <a:p>
             <a:fld id="{B4D147CC-DF06-4568-84A5-1913B79BC2C0}" type="datetimeFigureOut">
               <a:rPr lang="en-US" smtClean="0"/>
-              <a:t>8/5/2020</a:t>
+              <a:t>8/6/2020</a:t>
             </a:fld>
             <a:endParaRPr lang="en-US"/>
           </a:p>
@@ -2915,7 +2915,7 @@
           <a:p>
             <a:fld id="{B4D147CC-DF06-4568-84A5-1913B79BC2C0}" type="datetimeFigureOut">
               <a:rPr lang="en-US" smtClean="0"/>
-              <a:t>8/5/2020</a:t>
+              <a:t>8/6/2020</a:t>
             </a:fld>
             <a:endParaRPr lang="en-US"/>
           </a:p>
@@ -4125,7 +4125,15 @@
             <a:pPr lvl="1"/>
             <a:r>
               <a:rPr lang="en-US" dirty="0"/>
-              <a:t>Brent Pease and John </a:t>
+              <a:t>Brent Pease, Franny </a:t>
+            </a:r>
+            <a:r>
+              <a:rPr lang="en-US" dirty="0" err="1"/>
+              <a:t>Buderman</a:t>
+            </a:r>
+            <a:r>
+              <a:rPr lang="en-US" dirty="0"/>
+              <a:t>, and John </a:t>
             </a:r>
             <a:r>
               <a:rPr lang="en-US" dirty="0" err="1"/>

--- a/lessons/workshop_introduction.pptx
+++ b/lessons/workshop_introduction.pptx
@@ -265,7 +265,7 @@
           <a:p>
             <a:fld id="{B4D147CC-DF06-4568-84A5-1913B79BC2C0}" type="datetimeFigureOut">
               <a:rPr lang="en-US" smtClean="0"/>
-              <a:t>8/6/2020</a:t>
+              <a:t>8/7/2020</a:t>
             </a:fld>
             <a:endParaRPr lang="en-US"/>
           </a:p>
@@ -463,7 +463,7 @@
           <a:p>
             <a:fld id="{B4D147CC-DF06-4568-84A5-1913B79BC2C0}" type="datetimeFigureOut">
               <a:rPr lang="en-US" smtClean="0"/>
-              <a:t>8/6/2020</a:t>
+              <a:t>8/7/2020</a:t>
             </a:fld>
             <a:endParaRPr lang="en-US"/>
           </a:p>
@@ -671,7 +671,7 @@
           <a:p>
             <a:fld id="{B4D147CC-DF06-4568-84A5-1913B79BC2C0}" type="datetimeFigureOut">
               <a:rPr lang="en-US" smtClean="0"/>
-              <a:t>8/6/2020</a:t>
+              <a:t>8/7/2020</a:t>
             </a:fld>
             <a:endParaRPr lang="en-US"/>
           </a:p>
@@ -869,7 +869,7 @@
           <a:p>
             <a:fld id="{B4D147CC-DF06-4568-84A5-1913B79BC2C0}" type="datetimeFigureOut">
               <a:rPr lang="en-US" smtClean="0"/>
-              <a:t>8/6/2020</a:t>
+              <a:t>8/7/2020</a:t>
             </a:fld>
             <a:endParaRPr lang="en-US"/>
           </a:p>
@@ -1144,7 +1144,7 @@
           <a:p>
             <a:fld id="{B4D147CC-DF06-4568-84A5-1913B79BC2C0}" type="datetimeFigureOut">
               <a:rPr lang="en-US" smtClean="0"/>
-              <a:t>8/6/2020</a:t>
+              <a:t>8/7/2020</a:t>
             </a:fld>
             <a:endParaRPr lang="en-US"/>
           </a:p>
@@ -1409,7 +1409,7 @@
           <a:p>
             <a:fld id="{B4D147CC-DF06-4568-84A5-1913B79BC2C0}" type="datetimeFigureOut">
               <a:rPr lang="en-US" smtClean="0"/>
-              <a:t>8/6/2020</a:t>
+              <a:t>8/7/2020</a:t>
             </a:fld>
             <a:endParaRPr lang="en-US"/>
           </a:p>
@@ -1821,7 +1821,7 @@
           <a:p>
             <a:fld id="{B4D147CC-DF06-4568-84A5-1913B79BC2C0}" type="datetimeFigureOut">
               <a:rPr lang="en-US" smtClean="0"/>
-              <a:t>8/6/2020</a:t>
+              <a:t>8/7/2020</a:t>
             </a:fld>
             <a:endParaRPr lang="en-US"/>
           </a:p>
@@ -1962,7 +1962,7 @@
           <a:p>
             <a:fld id="{B4D147CC-DF06-4568-84A5-1913B79BC2C0}" type="datetimeFigureOut">
               <a:rPr lang="en-US" smtClean="0"/>
-              <a:t>8/6/2020</a:t>
+              <a:t>8/7/2020</a:t>
             </a:fld>
             <a:endParaRPr lang="en-US"/>
           </a:p>
@@ -2075,7 +2075,7 @@
           <a:p>
             <a:fld id="{B4D147CC-DF06-4568-84A5-1913B79BC2C0}" type="datetimeFigureOut">
               <a:rPr lang="en-US" smtClean="0"/>
-              <a:t>8/6/2020</a:t>
+              <a:t>8/7/2020</a:t>
             </a:fld>
             <a:endParaRPr lang="en-US"/>
           </a:p>
@@ -2386,7 +2386,7 @@
           <a:p>
             <a:fld id="{B4D147CC-DF06-4568-84A5-1913B79BC2C0}" type="datetimeFigureOut">
               <a:rPr lang="en-US" smtClean="0"/>
-              <a:t>8/6/2020</a:t>
+              <a:t>8/7/2020</a:t>
             </a:fld>
             <a:endParaRPr lang="en-US"/>
           </a:p>
@@ -2674,7 +2674,7 @@
           <a:p>
             <a:fld id="{B4D147CC-DF06-4568-84A5-1913B79BC2C0}" type="datetimeFigureOut">
               <a:rPr lang="en-US" smtClean="0"/>
-              <a:t>8/6/2020</a:t>
+              <a:t>8/7/2020</a:t>
             </a:fld>
             <a:endParaRPr lang="en-US"/>
           </a:p>
@@ -2915,7 +2915,7 @@
           <a:p>
             <a:fld id="{B4D147CC-DF06-4568-84A5-1913B79BC2C0}" type="datetimeFigureOut">
               <a:rPr lang="en-US" smtClean="0"/>
-              <a:t>8/6/2020</a:t>
+              <a:t>8/7/2020</a:t>
             </a:fld>
             <a:endParaRPr lang="en-US"/>
           </a:p>
@@ -3449,9 +3449,10 @@
           </a:p>
           <a:p>
             <a:r>
-              <a:rPr lang="en-US" sz="1600" dirty="0"/>
-              <a:t>08/11/2020</a:t>
-            </a:r>
+              <a:rPr lang="en-US" sz="1600"/>
+              <a:t>08/10/2020</a:t>
+            </a:r>
+            <a:endParaRPr lang="en-US" sz="1600" dirty="0"/>
           </a:p>
         </p:txBody>
       </p:sp>
